--- a/JavaScript.pptx
+++ b/JavaScript.pptx
@@ -1581,14 +1581,14 @@
           <a:effectLst/>
           <a:extLst>
             <a:ext uri="{909E8E84-426E-40dd-AFC4-6F175D3DCCD1}">
-              <a14:hiddenFill xmlns:a14="http://schemas.microsoft.com/office/drawing/2010/main" xmlns="">
+              <a14:hiddenFill xmlns="" xmlns:a14="http://schemas.microsoft.com/office/drawing/2010/main">
                 <a:solidFill>
                   <a:schemeClr val="accent1"/>
                 </a:solidFill>
               </a14:hiddenFill>
             </a:ext>
             <a:ext uri="{91240B29-F687-4f45-9708-019B960494DF}">
-              <a14:hiddenLine xmlns:a14="http://schemas.microsoft.com/office/drawing/2010/main" xmlns="" w="9525">
+              <a14:hiddenLine xmlns="" xmlns:a14="http://schemas.microsoft.com/office/drawing/2010/main" w="9525">
                 <a:solidFill>
                   <a:schemeClr val="tx1"/>
                 </a:solidFill>
@@ -1598,7 +1598,7 @@
               </a14:hiddenLine>
             </a:ext>
             <a:ext uri="{AF507438-7753-43e0-B8FC-AC1667EBCBE1}">
-              <a14:hiddenEffects xmlns:a14="http://schemas.microsoft.com/office/drawing/2010/main" xmlns="">
+              <a14:hiddenEffects xmlns="" xmlns:a14="http://schemas.microsoft.com/office/drawing/2010/main">
                 <a:effectLst>
                   <a:outerShdw dist="35921" dir="2700000" algn="ctr" rotWithShape="0">
                     <a:schemeClr val="bg2"/>
@@ -2001,14 +2001,14 @@
           <a:effectLst/>
           <a:extLst>
             <a:ext uri="{909E8E84-426E-40dd-AFC4-6F175D3DCCD1}">
-              <a14:hiddenFill xmlns:a14="http://schemas.microsoft.com/office/drawing/2010/main" xmlns="">
+              <a14:hiddenFill xmlns="" xmlns:a14="http://schemas.microsoft.com/office/drawing/2010/main">
                 <a:solidFill>
                   <a:schemeClr val="accent1"/>
                 </a:solidFill>
               </a14:hiddenFill>
             </a:ext>
             <a:ext uri="{91240B29-F687-4f45-9708-019B960494DF}">
-              <a14:hiddenLine xmlns:a14="http://schemas.microsoft.com/office/drawing/2010/main" xmlns="" w="9525">
+              <a14:hiddenLine xmlns="" xmlns:a14="http://schemas.microsoft.com/office/drawing/2010/main" w="9525">
                 <a:solidFill>
                   <a:schemeClr val="tx1"/>
                 </a:solidFill>
@@ -2018,7 +2018,7 @@
               </a14:hiddenLine>
             </a:ext>
             <a:ext uri="{AF507438-7753-43e0-B8FC-AC1667EBCBE1}">
-              <a14:hiddenEffects xmlns:a14="http://schemas.microsoft.com/office/drawing/2010/main" xmlns="">
+              <a14:hiddenEffects xmlns="" xmlns:a14="http://schemas.microsoft.com/office/drawing/2010/main">
                 <a:effectLst>
                   <a:outerShdw dist="35921" dir="2700000" algn="ctr" rotWithShape="0">
                     <a:schemeClr val="bg2"/>
@@ -2225,14 +2225,14 @@
           <a:effectLst/>
           <a:extLst>
             <a:ext uri="{909E8E84-426E-40dd-AFC4-6F175D3DCCD1}">
-              <a14:hiddenFill xmlns:a14="http://schemas.microsoft.com/office/drawing/2010/main" xmlns="">
+              <a14:hiddenFill xmlns="" xmlns:a14="http://schemas.microsoft.com/office/drawing/2010/main">
                 <a:solidFill>
                   <a:schemeClr val="accent1"/>
                 </a:solidFill>
               </a14:hiddenFill>
             </a:ext>
             <a:ext uri="{91240B29-F687-4f45-9708-019B960494DF}">
-              <a14:hiddenLine xmlns:a14="http://schemas.microsoft.com/office/drawing/2010/main" xmlns="" w="9525">
+              <a14:hiddenLine xmlns="" xmlns:a14="http://schemas.microsoft.com/office/drawing/2010/main" w="9525">
                 <a:solidFill>
                   <a:schemeClr val="tx1"/>
                 </a:solidFill>
@@ -2242,7 +2242,7 @@
               </a14:hiddenLine>
             </a:ext>
             <a:ext uri="{AF507438-7753-43e0-B8FC-AC1667EBCBE1}">
-              <a14:hiddenEffects xmlns:a14="http://schemas.microsoft.com/office/drawing/2010/main" xmlns="">
+              <a14:hiddenEffects xmlns="" xmlns:a14="http://schemas.microsoft.com/office/drawing/2010/main">
                 <a:effectLst>
                   <a:outerShdw dist="35921" dir="2700000" algn="ctr" rotWithShape="0">
                     <a:schemeClr val="bg2"/>
@@ -2669,14 +2669,14 @@
           <a:effectLst/>
           <a:extLst>
             <a:ext uri="{909E8E84-426E-40dd-AFC4-6F175D3DCCD1}">
-              <a14:hiddenFill xmlns:a14="http://schemas.microsoft.com/office/drawing/2010/main" xmlns="">
+              <a14:hiddenFill xmlns="" xmlns:a14="http://schemas.microsoft.com/office/drawing/2010/main">
                 <a:solidFill>
                   <a:schemeClr val="accent1"/>
                 </a:solidFill>
               </a14:hiddenFill>
             </a:ext>
             <a:ext uri="{91240B29-F687-4f45-9708-019B960494DF}">
-              <a14:hiddenLine xmlns:a14="http://schemas.microsoft.com/office/drawing/2010/main" xmlns="" w="9525">
+              <a14:hiddenLine xmlns="" xmlns:a14="http://schemas.microsoft.com/office/drawing/2010/main" w="9525">
                 <a:solidFill>
                   <a:schemeClr val="tx1"/>
                 </a:solidFill>
@@ -2686,7 +2686,7 @@
               </a14:hiddenLine>
             </a:ext>
             <a:ext uri="{AF507438-7753-43e0-B8FC-AC1667EBCBE1}">
-              <a14:hiddenEffects xmlns:a14="http://schemas.microsoft.com/office/drawing/2010/main" xmlns="">
+              <a14:hiddenEffects xmlns="" xmlns:a14="http://schemas.microsoft.com/office/drawing/2010/main">
                 <a:effectLst>
                   <a:outerShdw dist="35921" dir="2700000" algn="ctr" rotWithShape="0">
                     <a:schemeClr val="bg2"/>
@@ -3132,14 +3132,14 @@
           <a:effectLst/>
           <a:extLst>
             <a:ext uri="{909E8E84-426E-40dd-AFC4-6F175D3DCCD1}">
-              <a14:hiddenFill xmlns:a14="http://schemas.microsoft.com/office/drawing/2010/main" xmlns="">
+              <a14:hiddenFill xmlns="" xmlns:a14="http://schemas.microsoft.com/office/drawing/2010/main">
                 <a:solidFill>
                   <a:schemeClr val="accent1"/>
                 </a:solidFill>
               </a14:hiddenFill>
             </a:ext>
             <a:ext uri="{91240B29-F687-4f45-9708-019B960494DF}">
-              <a14:hiddenLine xmlns:a14="http://schemas.microsoft.com/office/drawing/2010/main" xmlns="" w="9525">
+              <a14:hiddenLine xmlns="" xmlns:a14="http://schemas.microsoft.com/office/drawing/2010/main" w="9525">
                 <a:solidFill>
                   <a:schemeClr val="tx1"/>
                 </a:solidFill>
@@ -3149,7 +3149,7 @@
               </a14:hiddenLine>
             </a:ext>
             <a:ext uri="{AF507438-7753-43e0-B8FC-AC1667EBCBE1}">
-              <a14:hiddenEffects xmlns:a14="http://schemas.microsoft.com/office/drawing/2010/main" xmlns="">
+              <a14:hiddenEffects xmlns="" xmlns:a14="http://schemas.microsoft.com/office/drawing/2010/main">
                 <a:effectLst>
                   <a:outerShdw dist="35921" dir="2700000" algn="ctr" rotWithShape="0">
                     <a:schemeClr val="bg2"/>
@@ -3530,14 +3530,14 @@
           <a:effectLst/>
           <a:extLst>
             <a:ext uri="{909E8E84-426E-40dd-AFC4-6F175D3DCCD1}">
-              <a14:hiddenFill xmlns:a14="http://schemas.microsoft.com/office/drawing/2010/main" xmlns="">
+              <a14:hiddenFill xmlns="" xmlns:a14="http://schemas.microsoft.com/office/drawing/2010/main">
                 <a:solidFill>
                   <a:schemeClr val="accent1"/>
                 </a:solidFill>
               </a14:hiddenFill>
             </a:ext>
             <a:ext uri="{91240B29-F687-4f45-9708-019B960494DF}">
-              <a14:hiddenLine xmlns:a14="http://schemas.microsoft.com/office/drawing/2010/main" xmlns="" w="9525">
+              <a14:hiddenLine xmlns="" xmlns:a14="http://schemas.microsoft.com/office/drawing/2010/main" w="9525">
                 <a:solidFill>
                   <a:schemeClr val="tx1"/>
                 </a:solidFill>
@@ -3547,7 +3547,7 @@
               </a14:hiddenLine>
             </a:ext>
             <a:ext uri="{AF507438-7753-43e0-B8FC-AC1667EBCBE1}">
-              <a14:hiddenEffects xmlns:a14="http://schemas.microsoft.com/office/drawing/2010/main" xmlns="">
+              <a14:hiddenEffects xmlns="" xmlns:a14="http://schemas.microsoft.com/office/drawing/2010/main">
                 <a:effectLst>
                   <a:outerShdw dist="35921" dir="2700000" algn="ctr" rotWithShape="0">
                     <a:schemeClr val="bg2"/>
@@ -3906,14 +3906,14 @@
           <a:effectLst/>
           <a:extLst>
             <a:ext uri="{909E8E84-426E-40dd-AFC4-6F175D3DCCD1}">
-              <a14:hiddenFill xmlns:a14="http://schemas.microsoft.com/office/drawing/2010/main" xmlns="">
+              <a14:hiddenFill xmlns="" xmlns:a14="http://schemas.microsoft.com/office/drawing/2010/main">
                 <a:solidFill>
                   <a:schemeClr val="accent1"/>
                 </a:solidFill>
               </a14:hiddenFill>
             </a:ext>
             <a:ext uri="{91240B29-F687-4f45-9708-019B960494DF}">
-              <a14:hiddenLine xmlns:a14="http://schemas.microsoft.com/office/drawing/2010/main" xmlns="" w="9525">
+              <a14:hiddenLine xmlns="" xmlns:a14="http://schemas.microsoft.com/office/drawing/2010/main" w="9525">
                 <a:solidFill>
                   <a:schemeClr val="tx1"/>
                 </a:solidFill>
@@ -3923,7 +3923,7 @@
               </a14:hiddenLine>
             </a:ext>
             <a:ext uri="{AF507438-7753-43e0-B8FC-AC1667EBCBE1}">
-              <a14:hiddenEffects xmlns:a14="http://schemas.microsoft.com/office/drawing/2010/main" xmlns="">
+              <a14:hiddenEffects xmlns="" xmlns:a14="http://schemas.microsoft.com/office/drawing/2010/main">
                 <a:effectLst>
                   <a:outerShdw dist="35921" dir="2700000" algn="ctr" rotWithShape="0">
                     <a:schemeClr val="bg2"/>
@@ -4581,14 +4581,14 @@
           <a:effectLst/>
           <a:extLst>
             <a:ext uri="{909E8E84-426E-40dd-AFC4-6F175D3DCCD1}">
-              <a14:hiddenFill xmlns:a14="http://schemas.microsoft.com/office/drawing/2010/main" xmlns="">
+              <a14:hiddenFill xmlns="" xmlns:a14="http://schemas.microsoft.com/office/drawing/2010/main">
                 <a:solidFill>
                   <a:schemeClr val="accent1"/>
                 </a:solidFill>
               </a14:hiddenFill>
             </a:ext>
             <a:ext uri="{91240B29-F687-4f45-9708-019B960494DF}">
-              <a14:hiddenLine xmlns:a14="http://schemas.microsoft.com/office/drawing/2010/main" xmlns="" w="9525">
+              <a14:hiddenLine xmlns="" xmlns:a14="http://schemas.microsoft.com/office/drawing/2010/main" w="9525">
                 <a:solidFill>
                   <a:schemeClr val="tx1"/>
                 </a:solidFill>
@@ -4598,7 +4598,7 @@
               </a14:hiddenLine>
             </a:ext>
             <a:ext uri="{AF507438-7753-43e0-B8FC-AC1667EBCBE1}">
-              <a14:hiddenEffects xmlns:a14="http://schemas.microsoft.com/office/drawing/2010/main" xmlns="">
+              <a14:hiddenEffects xmlns="" xmlns:a14="http://schemas.microsoft.com/office/drawing/2010/main">
                 <a:effectLst>
                   <a:outerShdw dist="35921" dir="2700000" algn="ctr" rotWithShape="0">
                     <a:schemeClr val="bg2"/>
@@ -4904,14 +4904,14 @@
           <a:effectLst/>
           <a:extLst>
             <a:ext uri="{909E8E84-426E-40dd-AFC4-6F175D3DCCD1}">
-              <a14:hiddenFill xmlns:a14="http://schemas.microsoft.com/office/drawing/2010/main" xmlns="">
+              <a14:hiddenFill xmlns="" xmlns:a14="http://schemas.microsoft.com/office/drawing/2010/main">
                 <a:solidFill>
                   <a:schemeClr val="accent1"/>
                 </a:solidFill>
               </a14:hiddenFill>
             </a:ext>
             <a:ext uri="{91240B29-F687-4f45-9708-019B960494DF}">
-              <a14:hiddenLine xmlns:a14="http://schemas.microsoft.com/office/drawing/2010/main" xmlns="" w="9525">
+              <a14:hiddenLine xmlns="" xmlns:a14="http://schemas.microsoft.com/office/drawing/2010/main" w="9525">
                 <a:solidFill>
                   <a:schemeClr val="tx1"/>
                 </a:solidFill>
@@ -4921,7 +4921,7 @@
               </a14:hiddenLine>
             </a:ext>
             <a:ext uri="{AF507438-7753-43e0-B8FC-AC1667EBCBE1}">
-              <a14:hiddenEffects xmlns:a14="http://schemas.microsoft.com/office/drawing/2010/main" xmlns="">
+              <a14:hiddenEffects xmlns="" xmlns:a14="http://schemas.microsoft.com/office/drawing/2010/main">
                 <a:effectLst>
                   <a:outerShdw dist="35921" dir="2700000" algn="ctr" rotWithShape="0">
                     <a:schemeClr val="bg2"/>
@@ -5641,14 +5641,14 @@
           <a:effectLst/>
           <a:extLst>
             <a:ext uri="{909E8E84-426E-40dd-AFC4-6F175D3DCCD1}">
-              <a14:hiddenFill xmlns:a14="http://schemas.microsoft.com/office/drawing/2010/main" xmlns="">
+              <a14:hiddenFill xmlns="" xmlns:a14="http://schemas.microsoft.com/office/drawing/2010/main">
                 <a:solidFill>
                   <a:schemeClr val="accent1"/>
                 </a:solidFill>
               </a14:hiddenFill>
             </a:ext>
             <a:ext uri="{91240B29-F687-4f45-9708-019B960494DF}">
-              <a14:hiddenLine xmlns:a14="http://schemas.microsoft.com/office/drawing/2010/main" xmlns="" w="9525">
+              <a14:hiddenLine xmlns="" xmlns:a14="http://schemas.microsoft.com/office/drawing/2010/main" w="9525">
                 <a:solidFill>
                   <a:schemeClr val="tx1"/>
                 </a:solidFill>
@@ -5658,7 +5658,7 @@
               </a14:hiddenLine>
             </a:ext>
             <a:ext uri="{AF507438-7753-43e0-B8FC-AC1667EBCBE1}">
-              <a14:hiddenEffects xmlns:a14="http://schemas.microsoft.com/office/drawing/2010/main" xmlns="">
+              <a14:hiddenEffects xmlns="" xmlns:a14="http://schemas.microsoft.com/office/drawing/2010/main">
                 <a:effectLst>
                   <a:outerShdw dist="35921" dir="2700000" algn="ctr" rotWithShape="0">
                     <a:schemeClr val="bg2"/>
@@ -6612,14 +6612,14 @@
           <a:effectLst/>
           <a:extLst>
             <a:ext uri="{909E8E84-426E-40dd-AFC4-6F175D3DCCD1}">
-              <a14:hiddenFill xmlns:a14="http://schemas.microsoft.com/office/drawing/2010/main" xmlns="">
+              <a14:hiddenFill xmlns="" xmlns:a14="http://schemas.microsoft.com/office/drawing/2010/main">
                 <a:solidFill>
                   <a:schemeClr val="accent1"/>
                 </a:solidFill>
               </a14:hiddenFill>
             </a:ext>
             <a:ext uri="{91240B29-F687-4f45-9708-019B960494DF}">
-              <a14:hiddenLine xmlns:a14="http://schemas.microsoft.com/office/drawing/2010/main" xmlns="" w="9525">
+              <a14:hiddenLine xmlns="" xmlns:a14="http://schemas.microsoft.com/office/drawing/2010/main" w="9525">
                 <a:solidFill>
                   <a:schemeClr val="tx1"/>
                 </a:solidFill>
@@ -6629,7 +6629,7 @@
               </a14:hiddenLine>
             </a:ext>
             <a:ext uri="{AF507438-7753-43e0-B8FC-AC1667EBCBE1}">
-              <a14:hiddenEffects xmlns:a14="http://schemas.microsoft.com/office/drawing/2010/main" xmlns="">
+              <a14:hiddenEffects xmlns="" xmlns:a14="http://schemas.microsoft.com/office/drawing/2010/main">
                 <a:effectLst>
                   <a:outerShdw dist="35921" dir="2700000" algn="ctr" rotWithShape="0">
                     <a:schemeClr val="bg2"/>
@@ -6986,14 +6986,14 @@
           <a:effectLst/>
           <a:extLst>
             <a:ext uri="{909E8E84-426E-40dd-AFC4-6F175D3DCCD1}">
-              <a14:hiddenFill xmlns:a14="http://schemas.microsoft.com/office/drawing/2010/main" xmlns="">
+              <a14:hiddenFill xmlns="" xmlns:a14="http://schemas.microsoft.com/office/drawing/2010/main">
                 <a:solidFill>
                   <a:schemeClr val="accent1"/>
                 </a:solidFill>
               </a14:hiddenFill>
             </a:ext>
             <a:ext uri="{91240B29-F687-4f45-9708-019B960494DF}">
-              <a14:hiddenLine xmlns:a14="http://schemas.microsoft.com/office/drawing/2010/main" xmlns="" w="9525">
+              <a14:hiddenLine xmlns="" xmlns:a14="http://schemas.microsoft.com/office/drawing/2010/main" w="9525">
                 <a:solidFill>
                   <a:schemeClr val="tx1"/>
                 </a:solidFill>
@@ -7003,7 +7003,7 @@
               </a14:hiddenLine>
             </a:ext>
             <a:ext uri="{AF507438-7753-43e0-B8FC-AC1667EBCBE1}">
-              <a14:hiddenEffects xmlns:a14="http://schemas.microsoft.com/office/drawing/2010/main" xmlns="">
+              <a14:hiddenEffects xmlns="" xmlns:a14="http://schemas.microsoft.com/office/drawing/2010/main">
                 <a:effectLst>
                   <a:outerShdw dist="35921" dir="2700000" algn="ctr" rotWithShape="0">
                     <a:schemeClr val="bg2"/>
@@ -7360,14 +7360,14 @@
           <a:effectLst/>
           <a:extLst>
             <a:ext uri="{909E8E84-426E-40dd-AFC4-6F175D3DCCD1}">
-              <a14:hiddenFill xmlns:a14="http://schemas.microsoft.com/office/drawing/2010/main" xmlns="">
+              <a14:hiddenFill xmlns="" xmlns:a14="http://schemas.microsoft.com/office/drawing/2010/main">
                 <a:solidFill>
                   <a:schemeClr val="accent1"/>
                 </a:solidFill>
               </a14:hiddenFill>
             </a:ext>
             <a:ext uri="{91240B29-F687-4f45-9708-019B960494DF}">
-              <a14:hiddenLine xmlns:a14="http://schemas.microsoft.com/office/drawing/2010/main" xmlns="" w="9525">
+              <a14:hiddenLine xmlns="" xmlns:a14="http://schemas.microsoft.com/office/drawing/2010/main" w="9525">
                 <a:solidFill>
                   <a:schemeClr val="tx1"/>
                 </a:solidFill>
@@ -7377,7 +7377,7 @@
               </a14:hiddenLine>
             </a:ext>
             <a:ext uri="{AF507438-7753-43e0-B8FC-AC1667EBCBE1}">
-              <a14:hiddenEffects xmlns:a14="http://schemas.microsoft.com/office/drawing/2010/main" xmlns="">
+              <a14:hiddenEffects xmlns="" xmlns:a14="http://schemas.microsoft.com/office/drawing/2010/main">
                 <a:effectLst>
                   <a:outerShdw dist="35921" dir="2700000" algn="ctr" rotWithShape="0">
                     <a:schemeClr val="bg2"/>
@@ -7689,14 +7689,14 @@
           <a:effectLst/>
           <a:extLst>
             <a:ext uri="{909E8E84-426E-40dd-AFC4-6F175D3DCCD1}">
-              <a14:hiddenFill xmlns:a14="http://schemas.microsoft.com/office/drawing/2010/main" xmlns="">
+              <a14:hiddenFill xmlns="" xmlns:a14="http://schemas.microsoft.com/office/drawing/2010/main">
                 <a:solidFill>
                   <a:schemeClr val="accent1"/>
                 </a:solidFill>
               </a14:hiddenFill>
             </a:ext>
             <a:ext uri="{91240B29-F687-4f45-9708-019B960494DF}">
-              <a14:hiddenLine xmlns:a14="http://schemas.microsoft.com/office/drawing/2010/main" xmlns="" w="9525">
+              <a14:hiddenLine xmlns="" xmlns:a14="http://schemas.microsoft.com/office/drawing/2010/main" w="9525">
                 <a:solidFill>
                   <a:schemeClr val="tx1"/>
                 </a:solidFill>
@@ -7706,7 +7706,7 @@
               </a14:hiddenLine>
             </a:ext>
             <a:ext uri="{AF507438-7753-43e0-B8FC-AC1667EBCBE1}">
-              <a14:hiddenEffects xmlns:a14="http://schemas.microsoft.com/office/drawing/2010/main" xmlns="">
+              <a14:hiddenEffects xmlns="" xmlns:a14="http://schemas.microsoft.com/office/drawing/2010/main">
                 <a:effectLst>
                   <a:outerShdw dist="35921" dir="2700000" algn="ctr" rotWithShape="0">
                     <a:schemeClr val="bg2"/>
@@ -8109,14 +8109,14 @@
           <a:effectLst/>
           <a:extLst>
             <a:ext uri="{909E8E84-426E-40dd-AFC4-6F175D3DCCD1}">
-              <a14:hiddenFill xmlns:a14="http://schemas.microsoft.com/office/drawing/2010/main" xmlns="">
+              <a14:hiddenFill xmlns="" xmlns:a14="http://schemas.microsoft.com/office/drawing/2010/main">
                 <a:solidFill>
                   <a:schemeClr val="accent1"/>
                 </a:solidFill>
               </a14:hiddenFill>
             </a:ext>
             <a:ext uri="{91240B29-F687-4f45-9708-019B960494DF}">
-              <a14:hiddenLine xmlns:a14="http://schemas.microsoft.com/office/drawing/2010/main" xmlns="" w="9525">
+              <a14:hiddenLine xmlns="" xmlns:a14="http://schemas.microsoft.com/office/drawing/2010/main" w="9525">
                 <a:solidFill>
                   <a:schemeClr val="tx1"/>
                 </a:solidFill>
@@ -8126,7 +8126,7 @@
               </a14:hiddenLine>
             </a:ext>
             <a:ext uri="{AF507438-7753-43e0-B8FC-AC1667EBCBE1}">
-              <a14:hiddenEffects xmlns:a14="http://schemas.microsoft.com/office/drawing/2010/main" xmlns="">
+              <a14:hiddenEffects xmlns="" xmlns:a14="http://schemas.microsoft.com/office/drawing/2010/main">
                 <a:effectLst>
                   <a:outerShdw dist="35921" dir="2700000" algn="ctr" rotWithShape="0">
                     <a:schemeClr val="bg2"/>
@@ -8542,14 +8542,14 @@
           <a:effectLst/>
           <a:extLst>
             <a:ext uri="{909E8E84-426E-40dd-AFC4-6F175D3DCCD1}">
-              <a14:hiddenFill xmlns:a14="http://schemas.microsoft.com/office/drawing/2010/main" xmlns="">
+              <a14:hiddenFill xmlns="" xmlns:a14="http://schemas.microsoft.com/office/drawing/2010/main">
                 <a:solidFill>
                   <a:schemeClr val="accent1"/>
                 </a:solidFill>
               </a14:hiddenFill>
             </a:ext>
             <a:ext uri="{91240B29-F687-4f45-9708-019B960494DF}">
-              <a14:hiddenLine xmlns:a14="http://schemas.microsoft.com/office/drawing/2010/main" xmlns="" w="9525">
+              <a14:hiddenLine xmlns="" xmlns:a14="http://schemas.microsoft.com/office/drawing/2010/main" w="9525">
                 <a:solidFill>
                   <a:schemeClr val="tx1"/>
                 </a:solidFill>
@@ -8559,7 +8559,7 @@
               </a14:hiddenLine>
             </a:ext>
             <a:ext uri="{AF507438-7753-43e0-B8FC-AC1667EBCBE1}">
-              <a14:hiddenEffects xmlns:a14="http://schemas.microsoft.com/office/drawing/2010/main" xmlns="">
+              <a14:hiddenEffects xmlns="" xmlns:a14="http://schemas.microsoft.com/office/drawing/2010/main">
                 <a:effectLst>
                   <a:outerShdw dist="35921" dir="2700000" algn="ctr" rotWithShape="0">
                     <a:schemeClr val="bg2"/>
@@ -8997,14 +8997,14 @@
           <a:effectLst/>
           <a:extLst>
             <a:ext uri="{909E8E84-426E-40dd-AFC4-6F175D3DCCD1}">
-              <a14:hiddenFill xmlns:a14="http://schemas.microsoft.com/office/drawing/2010/main" xmlns="">
+              <a14:hiddenFill xmlns="" xmlns:a14="http://schemas.microsoft.com/office/drawing/2010/main">
                 <a:solidFill>
                   <a:schemeClr val="accent1"/>
                 </a:solidFill>
               </a14:hiddenFill>
             </a:ext>
             <a:ext uri="{91240B29-F687-4f45-9708-019B960494DF}">
-              <a14:hiddenLine xmlns:a14="http://schemas.microsoft.com/office/drawing/2010/main" xmlns="" w="9525">
+              <a14:hiddenLine xmlns="" xmlns:a14="http://schemas.microsoft.com/office/drawing/2010/main" w="9525">
                 <a:solidFill>
                   <a:schemeClr val="tx1"/>
                 </a:solidFill>
@@ -9014,7 +9014,7 @@
               </a14:hiddenLine>
             </a:ext>
             <a:ext uri="{AF507438-7753-43e0-B8FC-AC1667EBCBE1}">
-              <a14:hiddenEffects xmlns:a14="http://schemas.microsoft.com/office/drawing/2010/main" xmlns="">
+              <a14:hiddenEffects xmlns="" xmlns:a14="http://schemas.microsoft.com/office/drawing/2010/main">
                 <a:effectLst>
                   <a:outerShdw dist="35921" dir="2700000" algn="ctr" rotWithShape="0">
                     <a:schemeClr val="bg2"/>
@@ -9432,14 +9432,14 @@
           <a:effectLst/>
           <a:extLst>
             <a:ext uri="{909E8E84-426E-40dd-AFC4-6F175D3DCCD1}">
-              <a14:hiddenFill xmlns:a14="http://schemas.microsoft.com/office/drawing/2010/main" xmlns="">
+              <a14:hiddenFill xmlns="" xmlns:a14="http://schemas.microsoft.com/office/drawing/2010/main">
                 <a:solidFill>
                   <a:schemeClr val="accent1"/>
                 </a:solidFill>
               </a14:hiddenFill>
             </a:ext>
             <a:ext uri="{91240B29-F687-4f45-9708-019B960494DF}">
-              <a14:hiddenLine xmlns:a14="http://schemas.microsoft.com/office/drawing/2010/main" xmlns="" w="9525">
+              <a14:hiddenLine xmlns="" xmlns:a14="http://schemas.microsoft.com/office/drawing/2010/main" w="9525">
                 <a:solidFill>
                   <a:schemeClr val="tx1"/>
                 </a:solidFill>
@@ -9449,7 +9449,7 @@
               </a14:hiddenLine>
             </a:ext>
             <a:ext uri="{AF507438-7753-43e0-B8FC-AC1667EBCBE1}">
-              <a14:hiddenEffects xmlns:a14="http://schemas.microsoft.com/office/drawing/2010/main" xmlns="">
+              <a14:hiddenEffects xmlns="" xmlns:a14="http://schemas.microsoft.com/office/drawing/2010/main">
                 <a:effectLst>
                   <a:outerShdw dist="35921" dir="2700000" algn="ctr" rotWithShape="0">
                     <a:schemeClr val="bg2"/>
@@ -9997,14 +9997,14 @@
           <a:effectLst/>
           <a:extLst>
             <a:ext uri="{909E8E84-426E-40dd-AFC4-6F175D3DCCD1}">
-              <a14:hiddenFill xmlns:a14="http://schemas.microsoft.com/office/drawing/2010/main" xmlns="">
+              <a14:hiddenFill xmlns="" xmlns:a14="http://schemas.microsoft.com/office/drawing/2010/main">
                 <a:solidFill>
                   <a:schemeClr val="accent1"/>
                 </a:solidFill>
               </a14:hiddenFill>
             </a:ext>
             <a:ext uri="{91240B29-F687-4f45-9708-019B960494DF}">
-              <a14:hiddenLine xmlns:a14="http://schemas.microsoft.com/office/drawing/2010/main" xmlns="" w="9525">
+              <a14:hiddenLine xmlns="" xmlns:a14="http://schemas.microsoft.com/office/drawing/2010/main" w="9525">
                 <a:solidFill>
                   <a:schemeClr val="tx1"/>
                 </a:solidFill>
@@ -10014,7 +10014,7 @@
               </a14:hiddenLine>
             </a:ext>
             <a:ext uri="{AF507438-7753-43e0-B8FC-AC1667EBCBE1}">
-              <a14:hiddenEffects xmlns:a14="http://schemas.microsoft.com/office/drawing/2010/main" xmlns="">
+              <a14:hiddenEffects xmlns="" xmlns:a14="http://schemas.microsoft.com/office/drawing/2010/main">
                 <a:effectLst>
                   <a:outerShdw dist="35921" dir="2700000" algn="ctr" rotWithShape="0">
                     <a:schemeClr val="bg2"/>
@@ -10320,14 +10320,14 @@
           <a:effectLst/>
           <a:extLst>
             <a:ext uri="{909E8E84-426E-40dd-AFC4-6F175D3DCCD1}">
-              <a14:hiddenFill xmlns:a14="http://schemas.microsoft.com/office/drawing/2010/main" xmlns="">
+              <a14:hiddenFill xmlns="" xmlns:a14="http://schemas.microsoft.com/office/drawing/2010/main">
                 <a:solidFill>
                   <a:schemeClr val="accent1"/>
                 </a:solidFill>
               </a14:hiddenFill>
             </a:ext>
             <a:ext uri="{91240B29-F687-4f45-9708-019B960494DF}">
-              <a14:hiddenLine xmlns:a14="http://schemas.microsoft.com/office/drawing/2010/main" xmlns="" w="9525">
+              <a14:hiddenLine xmlns="" xmlns:a14="http://schemas.microsoft.com/office/drawing/2010/main" w="9525">
                 <a:solidFill>
                   <a:schemeClr val="tx1"/>
                 </a:solidFill>
@@ -10337,7 +10337,7 @@
               </a14:hiddenLine>
             </a:ext>
             <a:ext uri="{AF507438-7753-43e0-B8FC-AC1667EBCBE1}">
-              <a14:hiddenEffects xmlns:a14="http://schemas.microsoft.com/office/drawing/2010/main" xmlns="">
+              <a14:hiddenEffects xmlns="" xmlns:a14="http://schemas.microsoft.com/office/drawing/2010/main">
                 <a:effectLst>
                   <a:outerShdw dist="35921" dir="2700000" algn="ctr" rotWithShape="0">
                     <a:schemeClr val="bg2"/>
@@ -10740,14 +10740,14 @@
           <a:effectLst/>
           <a:extLst>
             <a:ext uri="{909E8E84-426E-40dd-AFC4-6F175D3DCCD1}">
-              <a14:hiddenFill xmlns:a14="http://schemas.microsoft.com/office/drawing/2010/main" xmlns="">
+              <a14:hiddenFill xmlns="" xmlns:a14="http://schemas.microsoft.com/office/drawing/2010/main">
                 <a:solidFill>
                   <a:schemeClr val="accent1"/>
                 </a:solidFill>
               </a14:hiddenFill>
             </a:ext>
             <a:ext uri="{91240B29-F687-4f45-9708-019B960494DF}">
-              <a14:hiddenLine xmlns:a14="http://schemas.microsoft.com/office/drawing/2010/main" xmlns="" w="9525">
+              <a14:hiddenLine xmlns="" xmlns:a14="http://schemas.microsoft.com/office/drawing/2010/main" w="9525">
                 <a:solidFill>
                   <a:schemeClr val="tx1"/>
                 </a:solidFill>
@@ -10757,7 +10757,7 @@
               </a14:hiddenLine>
             </a:ext>
             <a:ext uri="{AF507438-7753-43e0-B8FC-AC1667EBCBE1}">
-              <a14:hiddenEffects xmlns:a14="http://schemas.microsoft.com/office/drawing/2010/main" xmlns="">
+              <a14:hiddenEffects xmlns="" xmlns:a14="http://schemas.microsoft.com/office/drawing/2010/main">
                 <a:effectLst>
                   <a:outerShdw dist="35921" dir="2700000" algn="ctr" rotWithShape="0">
                     <a:schemeClr val="bg2"/>
@@ -29298,13 +29298,13 @@
   <p:clrMapOvr>
     <a:masterClrMapping/>
   </p:clrMapOvr>
-  <mc:AlternateContent xmlns:mc="http://schemas.openxmlformats.org/markup-compatibility/2006">
-    <mc:Choice xmlns:p14="http://schemas.microsoft.com/office/powerpoint/2010/main" Requires="p14">
+  <mc:AlternateContent xmlns:mc="http://schemas.openxmlformats.org/markup-compatibility/2006" xmlns:p14="http://schemas.microsoft.com/office/powerpoint/2010/main">
+    <mc:Choice Requires="p14">
       <p:transition spd="med" p14:dur="700">
         <p:fade/>
       </p:transition>
     </mc:Choice>
-    <mc:Fallback>
+    <mc:Fallback xmlns="">
       <p:transition spd="med">
         <p:fade/>
       </p:transition>
@@ -29578,13 +29578,13 @@
   <p:clrMapOvr>
     <a:masterClrMapping/>
   </p:clrMapOvr>
-  <mc:AlternateContent xmlns:mc="http://schemas.openxmlformats.org/markup-compatibility/2006">
-    <mc:Choice xmlns:p14="http://schemas.microsoft.com/office/powerpoint/2010/main" Requires="p14">
+  <mc:AlternateContent xmlns:mc="http://schemas.openxmlformats.org/markup-compatibility/2006" xmlns:p14="http://schemas.microsoft.com/office/powerpoint/2010/main">
+    <mc:Choice Requires="p14">
       <p:transition spd="med" p14:dur="700">
         <p:fade/>
       </p:transition>
     </mc:Choice>
-    <mc:Fallback>
+    <mc:Fallback xmlns="">
       <p:transition spd="med">
         <p:fade/>
       </p:transition>
@@ -29747,13 +29747,13 @@
   <p:clrMapOvr>
     <a:masterClrMapping/>
   </p:clrMapOvr>
-  <mc:AlternateContent xmlns:mc="http://schemas.openxmlformats.org/markup-compatibility/2006">
-    <mc:Choice xmlns:p14="http://schemas.microsoft.com/office/powerpoint/2010/main" Requires="p14">
+  <mc:AlternateContent xmlns:mc="http://schemas.openxmlformats.org/markup-compatibility/2006" xmlns:p14="http://schemas.microsoft.com/office/powerpoint/2010/main">
+    <mc:Choice Requires="p14">
       <p:transition spd="med" p14:dur="700">
         <p:fade/>
       </p:transition>
     </mc:Choice>
-    <mc:Fallback>
+    <mc:Fallback xmlns="">
       <p:transition spd="med">
         <p:fade/>
       </p:transition>
@@ -31442,18 +31442,18 @@
 </file>
 
 <file path=customXml/item1.xml><?xml version="1.0" encoding="utf-8"?>
+<p:properties xmlns:p="http://schemas.microsoft.com/office/2006/metadata/properties" xmlns:xsi="http://www.w3.org/2001/XMLSchema-instance" xmlns:pc="http://schemas.microsoft.com/office/infopath/2007/PartnerControls">
+  <documentManagement/>
+</p:properties>
+</file>
+
+<file path=customXml/item2.xml><?xml version="1.0" encoding="utf-8"?>
 <?mso-contentType ?>
 <FormTemplates xmlns="http://schemas.microsoft.com/sharepoint/v3/contenttype/forms">
   <Display>DocumentLibraryForm</Display>
   <Edit>DocumentLibraryForm</Edit>
   <New>DocumentLibraryForm</New>
 </FormTemplates>
-</file>
-
-<file path=customXml/item2.xml><?xml version="1.0" encoding="utf-8"?>
-<p:properties xmlns:p="http://schemas.microsoft.com/office/2006/metadata/properties" xmlns:xsi="http://www.w3.org/2001/XMLSchema-instance" xmlns:pc="http://schemas.microsoft.com/office/infopath/2007/PartnerControls">
-  <documentManagement/>
-</p:properties>
 </file>
 
 <file path=customXml/item3.xml><?xml version="1.0" encoding="utf-8"?>
@@ -31571,14 +31571,6 @@
 </file>
 
 <file path=customXml/itemProps1.xml><?xml version="1.0" encoding="utf-8"?>
-<ds:datastoreItem xmlns:ds="http://schemas.openxmlformats.org/officeDocument/2006/customXml" ds:itemID="{28EF69EF-478E-4A34-9077-AD5B790C8484}">
-  <ds:schemaRefs>
-    <ds:schemaRef ds:uri="http://schemas.microsoft.com/sharepoint/v3/contenttype/forms"/>
-  </ds:schemaRefs>
-</ds:datastoreItem>
-</file>
-
-<file path=customXml/itemProps2.xml><?xml version="1.0" encoding="utf-8"?>
 <ds:datastoreItem xmlns:ds="http://schemas.openxmlformats.org/officeDocument/2006/customXml" ds:itemID="{AD42A2DC-E608-45A4-8DCA-71E71A9E667F}">
   <ds:schemaRefs>
     <ds:schemaRef ds:uri="http://purl.org/dc/elements/1.1/"/>
@@ -31589,6 +31581,14 @@
     <ds:schemaRef ds:uri="http://purl.org/dc/dcmitype/"/>
     <ds:schemaRef ds:uri="http://schemas.microsoft.com/office/infopath/2007/PartnerControls"/>
     <ds:schemaRef ds:uri="http://www.w3.org/XML/1998/namespace"/>
+  </ds:schemaRefs>
+</ds:datastoreItem>
+</file>
+
+<file path=customXml/itemProps2.xml><?xml version="1.0" encoding="utf-8"?>
+<ds:datastoreItem xmlns:ds="http://schemas.openxmlformats.org/officeDocument/2006/customXml" ds:itemID="{28EF69EF-478E-4A34-9077-AD5B790C8484}">
+  <ds:schemaRefs>
+    <ds:schemaRef ds:uri="http://schemas.microsoft.com/sharepoint/v3/contenttype/forms"/>
   </ds:schemaRefs>
 </ds:datastoreItem>
 </file>
